--- a/PPT_final.pptx
+++ b/PPT_final.pptx
@@ -127,7 +127,7 @@
   </p:defaultTextStyle>
   <p:extLst>
     <p:ext uri="{EFAFB233-063F-42B5-8137-9DF3F51BA10A}">
-      <p15:sldGuideLst xmlns:p15="http://schemas.microsoft.com/office/powerpoint/2012/main">
+      <p15:sldGuideLst xmlns:p15="http://schemas.microsoft.com/office/powerpoint/2012/main" xmlns="">
         <p15:guide id="1" orient="horz" pos="2160">
           <p15:clr>
             <a:srgbClr val="A4A3A4"/>
@@ -10006,7 +10006,7 @@
         </p:spPr>
         <p:txBody>
           <a:bodyPr>
-            <a:normAutofit/>
+            <a:normAutofit fontScale="92500" lnSpcReduction="10000"/>
           </a:bodyPr>
           <a:lstStyle/>
           <a:p>
@@ -10032,27 +10032,32 @@
           <a:p>
             <a:r>
               <a:rPr lang="es-ES" dirty="0" smtClean="0"/>
-              <a:t>GM esta mas enfocado a ¿?</a:t>
-            </a:r>
+              <a:t>A la hora de realizar modificaciones OSM tiene mas facilidades.</a:t>
+            </a:r>
+            <a:endParaRPr lang="es-ES" dirty="0" smtClean="0"/>
           </a:p>
           <a:p>
             <a:r>
               <a:rPr lang="es-ES" dirty="0" smtClean="0"/>
-              <a:t>OSM esta mas enfocado a ¿?</a:t>
-            </a:r>
-          </a:p>
-          <a:p>
+              <a:t>En ocasiones como ¿? </a:t>
+            </a:r>
             <a:r>
               <a:rPr lang="es-ES" dirty="0" smtClean="0"/>
-              <a:t>Las </a:t>
-            </a:r>
+              <a:t>Mola mas OSM</a:t>
+            </a:r>
+            <a:endParaRPr lang="es-ES" dirty="0" smtClean="0"/>
+          </a:p>
+          <a:p>
             <a:r>
               <a:rPr lang="es-ES" dirty="0" smtClean="0"/>
-              <a:t>aplicaciones (Android/iOS) </a:t>
-            </a:r>
+              <a:t>En ocasiones como ¿? Mola mas GM</a:t>
+            </a:r>
+            <a:endParaRPr lang="es-ES" dirty="0" smtClean="0"/>
+          </a:p>
+          <a:p>
             <a:r>
               <a:rPr lang="es-ES" dirty="0" smtClean="0"/>
-              <a:t>basadas en OSM son más diversas que la de Google </a:t>
+              <a:t>Las aplicaciones basadas en OSM son más diversas que la de Google </a:t>
             </a:r>
             <a:r>
               <a:rPr lang="es-ES" dirty="0" err="1" smtClean="0"/>
@@ -12466,7 +12471,7 @@
   <a:extraClrSchemeLst/>
   <a:extLst>
     <a:ext uri="{05A4C25C-085E-4340-85A3-A5531E510DB2}">
-      <thm15:themeFamily xmlns:thm15="http://schemas.microsoft.com/office/thememl/2012/main" name="Ion" id="{B8441ADB-2E43-4AF7-B97A-BD870242C6A8}" vid="{292E63A9-BB86-4E3D-B92A-7223C6510D2E}"/>
+      <thm15:themeFamily xmlns:thm15="http://schemas.microsoft.com/office/thememl/2012/main" xmlns="" name="Ion" id="{B8441ADB-2E43-4AF7-B97A-BD870242C6A8}" vid="{292E63A9-BB86-4E3D-B92A-7223C6510D2E}"/>
     </a:ext>
   </a:extLst>
 </a:theme>
@@ -12727,7 +12732,7 @@
   <a:extraClrSchemeLst/>
   <a:extLst>
     <a:ext uri="{05A4C25C-085E-4340-85A3-A5531E510DB2}">
-      <thm15:themeFamily xmlns:thm15="http://schemas.microsoft.com/office/thememl/2012/main" name="Office Theme" id="{62F939B6-93AF-4DB8-9C6B-D6C7DFDC589F}" vid="{4A3C46E8-61CC-4603-A589-7422A47A8E4A}"/>
+      <thm15:themeFamily xmlns:thm15="http://schemas.microsoft.com/office/thememl/2012/main" xmlns="" name="Office Theme" id="{62F939B6-93AF-4DB8-9C6B-D6C7DFDC589F}" vid="{4A3C46E8-61CC-4603-A589-7422A47A8E4A}"/>
     </a:ext>
   </a:extLst>
 </a:theme>
